--- a/leetcode-he-ji/LeetCode文章封面.pptx
+++ b/leetcode-he-ji/LeetCode文章封面.pptx
@@ -8,6 +8,8 @@
     <p:sldId id="256" r:id="rId2"/>
     <p:sldId id="258" r:id="rId3"/>
     <p:sldId id="257" r:id="rId4"/>
+    <p:sldId id="259" r:id="rId5"/>
+    <p:sldId id="260" r:id="rId6"/>
   </p:sldIdLst>
   <p:sldSz cx="12192000" cy="6858000"/>
   <p:notesSz cx="6858000" cy="9144000"/>
@@ -3452,6 +3454,1320 @@
 </p:sld>
 </file>
 
+<file path=ppt/slides/slide4.xml><?xml version="1.0" encoding="utf-8"?>
+<p:sld xmlns:a="http://schemas.openxmlformats.org/drawingml/2006/main" xmlns:r="http://schemas.openxmlformats.org/officeDocument/2006/relationships" xmlns:p="http://schemas.openxmlformats.org/presentationml/2006/main">
+  <p:cSld>
+    <p:spTree>
+      <p:nvGrpSpPr>
+        <p:cNvPr id="1" name=""/>
+        <p:cNvGrpSpPr/>
+        <p:nvPr/>
+      </p:nvGrpSpPr>
+      <p:grpSpPr>
+        <a:xfrm>
+          <a:off x="0" y="0"/>
+          <a:ext cx="0" cy="0"/>
+          <a:chOff x="0" y="0"/>
+          <a:chExt cx="0" cy="0"/>
+        </a:xfrm>
+      </p:grpSpPr>
+      <p:grpSp>
+        <p:nvGrpSpPr>
+          <p:cNvPr id="26" name="组合 25">
+            <a:extLst>
+              <a:ext uri="{FF2B5EF4-FFF2-40B4-BE49-F238E27FC236}">
+                <a16:creationId xmlns:a16="http://schemas.microsoft.com/office/drawing/2014/main" id="{979C7AF5-555C-4941-A360-76907F57913D}"/>
+              </a:ext>
+            </a:extLst>
+          </p:cNvPr>
+          <p:cNvGrpSpPr/>
+          <p:nvPr/>
+        </p:nvGrpSpPr>
+        <p:grpSpPr>
+          <a:xfrm>
+            <a:off x="1394015" y="1873623"/>
+            <a:ext cx="3957913" cy="2528049"/>
+            <a:chOff x="1394015" y="1873623"/>
+            <a:chExt cx="3957913" cy="2528049"/>
+          </a:xfrm>
+        </p:grpSpPr>
+        <p:sp>
+          <p:nvSpPr>
+            <p:cNvPr id="4" name="矩形 3">
+              <a:extLst>
+                <a:ext uri="{FF2B5EF4-FFF2-40B4-BE49-F238E27FC236}">
+                  <a16:creationId xmlns:a16="http://schemas.microsoft.com/office/drawing/2014/main" id="{6E6FD733-17D0-4538-901B-9E045032A069}"/>
+                </a:ext>
+              </a:extLst>
+            </p:cNvPr>
+            <p:cNvSpPr/>
+            <p:nvPr/>
+          </p:nvSpPr>
+          <p:spPr>
+            <a:xfrm>
+              <a:off x="2093262" y="2178422"/>
+              <a:ext cx="636494" cy="582705"/>
+            </a:xfrm>
+            <a:prstGeom prst="rect">
+              <a:avLst/>
+            </a:prstGeom>
+            <a:solidFill>
+              <a:srgbClr val="FFC000"/>
+            </a:solidFill>
+          </p:spPr>
+          <p:style>
+            <a:lnRef idx="2">
+              <a:schemeClr val="accent1">
+                <a:shade val="50000"/>
+              </a:schemeClr>
+            </a:lnRef>
+            <a:fillRef idx="1">
+              <a:schemeClr val="accent1"/>
+            </a:fillRef>
+            <a:effectRef idx="0">
+              <a:schemeClr val="accent1"/>
+            </a:effectRef>
+            <a:fontRef idx="minor">
+              <a:schemeClr val="lt1"/>
+            </a:fontRef>
+          </p:style>
+          <p:txBody>
+            <a:bodyPr rtlCol="0" anchor="ctr"/>
+            <a:lstStyle/>
+            <a:p>
+              <a:pPr algn="ctr"/>
+              <a:r>
+                <a:rPr lang="en-US" altLang="zh-CN" dirty="0"/>
+                <a:t>1</a:t>
+              </a:r>
+              <a:endParaRPr lang="zh-CN" altLang="en-US" dirty="0"/>
+            </a:p>
+          </p:txBody>
+        </p:sp>
+        <p:sp>
+          <p:nvSpPr>
+            <p:cNvPr id="11" name="矩形 10">
+              <a:extLst>
+                <a:ext uri="{FF2B5EF4-FFF2-40B4-BE49-F238E27FC236}">
+                  <a16:creationId xmlns:a16="http://schemas.microsoft.com/office/drawing/2014/main" id="{ECA08EA9-8AEC-4883-8A95-5557983E368A}"/>
+                </a:ext>
+              </a:extLst>
+            </p:cNvPr>
+            <p:cNvSpPr/>
+            <p:nvPr/>
+          </p:nvSpPr>
+          <p:spPr>
+            <a:xfrm>
+              <a:off x="2093262" y="3818967"/>
+              <a:ext cx="636494" cy="582705"/>
+            </a:xfrm>
+            <a:prstGeom prst="rect">
+              <a:avLst/>
+            </a:prstGeom>
+            <a:solidFill>
+              <a:srgbClr val="FFC000"/>
+            </a:solidFill>
+          </p:spPr>
+          <p:style>
+            <a:lnRef idx="2">
+              <a:schemeClr val="accent1">
+                <a:shade val="50000"/>
+              </a:schemeClr>
+            </a:lnRef>
+            <a:fillRef idx="1">
+              <a:schemeClr val="accent1"/>
+            </a:fillRef>
+            <a:effectRef idx="0">
+              <a:schemeClr val="accent1"/>
+            </a:effectRef>
+            <a:fontRef idx="minor">
+              <a:schemeClr val="lt1"/>
+            </a:fontRef>
+          </p:style>
+          <p:txBody>
+            <a:bodyPr rtlCol="0" anchor="ctr"/>
+            <a:lstStyle/>
+            <a:p>
+              <a:pPr algn="ctr"/>
+              <a:r>
+                <a:rPr lang="en-US" altLang="zh-CN" dirty="0"/>
+                <a:t>1</a:t>
+              </a:r>
+              <a:endParaRPr lang="zh-CN" altLang="en-US" dirty="0"/>
+            </a:p>
+          </p:txBody>
+        </p:sp>
+        <p:grpSp>
+          <p:nvGrpSpPr>
+            <p:cNvPr id="23" name="组合 22">
+              <a:extLst>
+                <a:ext uri="{FF2B5EF4-FFF2-40B4-BE49-F238E27FC236}">
+                  <a16:creationId xmlns:a16="http://schemas.microsoft.com/office/drawing/2014/main" id="{23A4F39C-EF5A-46F1-B2F7-CDC0AD0235EC}"/>
+                </a:ext>
+              </a:extLst>
+            </p:cNvPr>
+            <p:cNvGrpSpPr/>
+            <p:nvPr/>
+          </p:nvGrpSpPr>
+          <p:grpSpPr>
+            <a:xfrm>
+              <a:off x="3442446" y="3818966"/>
+              <a:ext cx="1909482" cy="582706"/>
+              <a:chOff x="2895599" y="3805520"/>
+              <a:chExt cx="1909482" cy="582706"/>
+            </a:xfrm>
+          </p:grpSpPr>
+          <p:sp>
+            <p:nvSpPr>
+              <p:cNvPr id="12" name="矩形 11">
+                <a:extLst>
+                  <a:ext uri="{FF2B5EF4-FFF2-40B4-BE49-F238E27FC236}">
+                    <a16:creationId xmlns:a16="http://schemas.microsoft.com/office/drawing/2014/main" id="{718C60E8-FB3A-4982-A41B-F4910A3261BA}"/>
+                  </a:ext>
+                </a:extLst>
+              </p:cNvPr>
+              <p:cNvSpPr/>
+              <p:nvPr/>
+            </p:nvSpPr>
+            <p:spPr>
+              <a:xfrm>
+                <a:off x="2895599" y="3805521"/>
+                <a:ext cx="636494" cy="582705"/>
+              </a:xfrm>
+              <a:prstGeom prst="rect">
+                <a:avLst/>
+              </a:prstGeom>
+              <a:solidFill>
+                <a:srgbClr val="FFC000"/>
+              </a:solidFill>
+            </p:spPr>
+            <p:style>
+              <a:lnRef idx="2">
+                <a:schemeClr val="accent1">
+                  <a:shade val="50000"/>
+                </a:schemeClr>
+              </a:lnRef>
+              <a:fillRef idx="1">
+                <a:schemeClr val="accent1"/>
+              </a:fillRef>
+              <a:effectRef idx="0">
+                <a:schemeClr val="accent1"/>
+              </a:effectRef>
+              <a:fontRef idx="minor">
+                <a:schemeClr val="lt1"/>
+              </a:fontRef>
+            </p:style>
+            <p:txBody>
+              <a:bodyPr rtlCol="0" anchor="ctr"/>
+              <a:lstStyle/>
+              <a:p>
+                <a:pPr algn="ctr"/>
+                <a:r>
+                  <a:rPr lang="en-US" altLang="zh-CN" dirty="0"/>
+                  <a:t>3</a:t>
+                </a:r>
+                <a:endParaRPr lang="zh-CN" altLang="en-US" dirty="0"/>
+              </a:p>
+            </p:txBody>
+          </p:sp>
+          <p:sp>
+            <p:nvSpPr>
+              <p:cNvPr id="13" name="矩形 12">
+                <a:extLst>
+                  <a:ext uri="{FF2B5EF4-FFF2-40B4-BE49-F238E27FC236}">
+                    <a16:creationId xmlns:a16="http://schemas.microsoft.com/office/drawing/2014/main" id="{0B497143-7B22-4C63-8A46-56F9A7E400EB}"/>
+                  </a:ext>
+                </a:extLst>
+              </p:cNvPr>
+              <p:cNvSpPr/>
+              <p:nvPr/>
+            </p:nvSpPr>
+            <p:spPr>
+              <a:xfrm>
+                <a:off x="4168587" y="3805520"/>
+                <a:ext cx="636494" cy="582705"/>
+              </a:xfrm>
+              <a:prstGeom prst="rect">
+                <a:avLst/>
+              </a:prstGeom>
+              <a:solidFill>
+                <a:srgbClr val="FFC000"/>
+              </a:solidFill>
+            </p:spPr>
+            <p:style>
+              <a:lnRef idx="2">
+                <a:schemeClr val="accent1">
+                  <a:shade val="50000"/>
+                </a:schemeClr>
+              </a:lnRef>
+              <a:fillRef idx="1">
+                <a:schemeClr val="accent1"/>
+              </a:fillRef>
+              <a:effectRef idx="0">
+                <a:schemeClr val="accent1"/>
+              </a:effectRef>
+              <a:fontRef idx="minor">
+                <a:schemeClr val="lt1"/>
+              </a:fontRef>
+            </p:style>
+            <p:txBody>
+              <a:bodyPr rtlCol="0" anchor="ctr"/>
+              <a:lstStyle/>
+              <a:p>
+                <a:pPr algn="ctr"/>
+                <a:r>
+                  <a:rPr lang="en-US" altLang="zh-CN" dirty="0"/>
+                  <a:t>9</a:t>
+                </a:r>
+                <a:endParaRPr lang="zh-CN" altLang="en-US" dirty="0"/>
+              </a:p>
+            </p:txBody>
+          </p:sp>
+          <p:sp>
+            <p:nvSpPr>
+              <p:cNvPr id="14" name="矩形 13">
+                <a:extLst>
+                  <a:ext uri="{FF2B5EF4-FFF2-40B4-BE49-F238E27FC236}">
+                    <a16:creationId xmlns:a16="http://schemas.microsoft.com/office/drawing/2014/main" id="{D796DE70-4EC8-4263-AACE-64E0E34D2067}"/>
+                  </a:ext>
+                </a:extLst>
+              </p:cNvPr>
+              <p:cNvSpPr/>
+              <p:nvPr/>
+            </p:nvSpPr>
+            <p:spPr>
+              <a:xfrm>
+                <a:off x="3532093" y="3805520"/>
+                <a:ext cx="636494" cy="582705"/>
+              </a:xfrm>
+              <a:prstGeom prst="rect">
+                <a:avLst/>
+              </a:prstGeom>
+              <a:solidFill>
+                <a:srgbClr val="FFC000"/>
+              </a:solidFill>
+            </p:spPr>
+            <p:style>
+              <a:lnRef idx="2">
+                <a:schemeClr val="accent1">
+                  <a:shade val="50000"/>
+                </a:schemeClr>
+              </a:lnRef>
+              <a:fillRef idx="1">
+                <a:schemeClr val="accent1"/>
+              </a:fillRef>
+              <a:effectRef idx="0">
+                <a:schemeClr val="accent1"/>
+              </a:effectRef>
+              <a:fontRef idx="minor">
+                <a:schemeClr val="lt1"/>
+              </a:fontRef>
+            </p:style>
+            <p:txBody>
+              <a:bodyPr rtlCol="0" anchor="ctr"/>
+              <a:lstStyle/>
+              <a:p>
+                <a:pPr algn="ctr"/>
+                <a:r>
+                  <a:rPr lang="en-US" altLang="zh-CN" dirty="0"/>
+                  <a:t>6</a:t>
+                </a:r>
+                <a:endParaRPr lang="zh-CN" altLang="en-US" dirty="0"/>
+              </a:p>
+            </p:txBody>
+          </p:sp>
+        </p:grpSp>
+        <p:sp>
+          <p:nvSpPr>
+            <p:cNvPr id="15" name="箭头: 下 14">
+              <a:extLst>
+                <a:ext uri="{FF2B5EF4-FFF2-40B4-BE49-F238E27FC236}">
+                  <a16:creationId xmlns:a16="http://schemas.microsoft.com/office/drawing/2014/main" id="{BA27F3F4-B952-4E55-A03D-D781F13B2CD8}"/>
+                </a:ext>
+              </a:extLst>
+            </p:cNvPr>
+            <p:cNvSpPr/>
+            <p:nvPr/>
+          </p:nvSpPr>
+          <p:spPr>
+            <a:xfrm>
+              <a:off x="3056963" y="3209367"/>
+              <a:ext cx="950259" cy="394447"/>
+            </a:xfrm>
+            <a:prstGeom prst="downArrow">
+              <a:avLst/>
+            </a:prstGeom>
+            <a:solidFill>
+              <a:schemeClr val="bg1"/>
+            </a:solidFill>
+          </p:spPr>
+          <p:style>
+            <a:lnRef idx="2">
+              <a:schemeClr val="accent1">
+                <a:shade val="50000"/>
+              </a:schemeClr>
+            </a:lnRef>
+            <a:fillRef idx="1">
+              <a:schemeClr val="accent1"/>
+            </a:fillRef>
+            <a:effectRef idx="0">
+              <a:schemeClr val="accent1"/>
+            </a:effectRef>
+            <a:fontRef idx="minor">
+              <a:schemeClr val="lt1"/>
+            </a:fontRef>
+          </p:style>
+          <p:txBody>
+            <a:bodyPr rtlCol="0" anchor="ctr"/>
+            <a:lstStyle/>
+            <a:p>
+              <a:pPr algn="ctr"/>
+              <a:endParaRPr lang="zh-CN" altLang="en-US"/>
+            </a:p>
+          </p:txBody>
+        </p:sp>
+        <p:sp>
+          <p:nvSpPr>
+            <p:cNvPr id="18" name="文本框 17">
+              <a:extLst>
+                <a:ext uri="{FF2B5EF4-FFF2-40B4-BE49-F238E27FC236}">
+                  <a16:creationId xmlns:a16="http://schemas.microsoft.com/office/drawing/2014/main" id="{7F8A90D3-DA80-48A4-84EE-994743509385}"/>
+                </a:ext>
+              </a:extLst>
+            </p:cNvPr>
+            <p:cNvSpPr txBox="1"/>
+            <p:nvPr/>
+          </p:nvSpPr>
+          <p:spPr>
+            <a:xfrm>
+              <a:off x="1394015" y="2271662"/>
+              <a:ext cx="699247" cy="369332"/>
+            </a:xfrm>
+            <a:prstGeom prst="rect">
+              <a:avLst/>
+            </a:prstGeom>
+            <a:noFill/>
+          </p:spPr>
+          <p:txBody>
+            <a:bodyPr wrap="square" rtlCol="0">
+              <a:spAutoFit/>
+            </a:bodyPr>
+            <a:lstStyle/>
+            <a:p>
+              <a:r>
+                <a:rPr lang="en-US" altLang="zh-CN" dirty="0"/>
+                <a:t>root</a:t>
+              </a:r>
+              <a:endParaRPr lang="zh-CN" altLang="en-US" dirty="0"/>
+            </a:p>
+          </p:txBody>
+        </p:sp>
+        <p:grpSp>
+          <p:nvGrpSpPr>
+            <p:cNvPr id="22" name="组合 21">
+              <a:extLst>
+                <a:ext uri="{FF2B5EF4-FFF2-40B4-BE49-F238E27FC236}">
+                  <a16:creationId xmlns:a16="http://schemas.microsoft.com/office/drawing/2014/main" id="{D9EB8097-33A1-4353-99BD-4449DC2254F7}"/>
+                </a:ext>
+              </a:extLst>
+            </p:cNvPr>
+            <p:cNvGrpSpPr/>
+            <p:nvPr/>
+          </p:nvGrpSpPr>
+          <p:grpSpPr>
+            <a:xfrm>
+              <a:off x="2926981" y="1873623"/>
+              <a:ext cx="2424947" cy="1178858"/>
+              <a:chOff x="3518653" y="1873623"/>
+              <a:chExt cx="2424947" cy="1178858"/>
+            </a:xfrm>
+          </p:grpSpPr>
+          <p:grpSp>
+            <p:nvGrpSpPr>
+              <p:cNvPr id="19" name="组合 18">
+                <a:extLst>
+                  <a:ext uri="{FF2B5EF4-FFF2-40B4-BE49-F238E27FC236}">
+                    <a16:creationId xmlns:a16="http://schemas.microsoft.com/office/drawing/2014/main" id="{B927D90B-3F97-495F-AAE7-71A6D8BF106A}"/>
+                  </a:ext>
+                </a:extLst>
+              </p:cNvPr>
+              <p:cNvGrpSpPr/>
+              <p:nvPr/>
+            </p:nvGrpSpPr>
+            <p:grpSpPr>
+              <a:xfrm>
+                <a:off x="4034118" y="1873623"/>
+                <a:ext cx="1909482" cy="1178858"/>
+                <a:chOff x="2895599" y="1873623"/>
+                <a:chExt cx="1909482" cy="1178858"/>
+              </a:xfrm>
+            </p:grpSpPr>
+            <p:sp>
+              <p:nvSpPr>
+                <p:cNvPr id="5" name="矩形 4">
+                  <a:extLst>
+                    <a:ext uri="{FF2B5EF4-FFF2-40B4-BE49-F238E27FC236}">
+                      <a16:creationId xmlns:a16="http://schemas.microsoft.com/office/drawing/2014/main" id="{485EFFA3-5373-4549-BEE4-582E042B4B07}"/>
+                    </a:ext>
+                  </a:extLst>
+                </p:cNvPr>
+                <p:cNvSpPr/>
+                <p:nvPr/>
+              </p:nvSpPr>
+              <p:spPr>
+                <a:xfrm>
+                  <a:off x="2895599" y="1873624"/>
+                  <a:ext cx="636494" cy="582705"/>
+                </a:xfrm>
+                <a:prstGeom prst="rect">
+                  <a:avLst/>
+                </a:prstGeom>
+                <a:solidFill>
+                  <a:srgbClr val="FFC000"/>
+                </a:solidFill>
+              </p:spPr>
+              <p:style>
+                <a:lnRef idx="2">
+                  <a:schemeClr val="accent1">
+                    <a:shade val="50000"/>
+                  </a:schemeClr>
+                </a:lnRef>
+                <a:fillRef idx="1">
+                  <a:schemeClr val="accent1"/>
+                </a:fillRef>
+                <a:effectRef idx="0">
+                  <a:schemeClr val="accent1"/>
+                </a:effectRef>
+                <a:fontRef idx="minor">
+                  <a:schemeClr val="lt1"/>
+                </a:fontRef>
+              </p:style>
+              <p:txBody>
+                <a:bodyPr rtlCol="0" anchor="ctr"/>
+                <a:lstStyle/>
+                <a:p>
+                  <a:pPr algn="ctr"/>
+                  <a:r>
+                    <a:rPr lang="en-US" altLang="zh-CN" dirty="0"/>
+                    <a:t>3</a:t>
+                  </a:r>
+                  <a:endParaRPr lang="zh-CN" altLang="en-US" dirty="0"/>
+                </a:p>
+              </p:txBody>
+            </p:sp>
+            <p:sp>
+              <p:nvSpPr>
+                <p:cNvPr id="6" name="矩形 5">
+                  <a:extLst>
+                    <a:ext uri="{FF2B5EF4-FFF2-40B4-BE49-F238E27FC236}">
+                      <a16:creationId xmlns:a16="http://schemas.microsoft.com/office/drawing/2014/main" id="{98A53E97-5C2F-4BA7-AA61-E213F113997A}"/>
+                    </a:ext>
+                  </a:extLst>
+                </p:cNvPr>
+                <p:cNvSpPr/>
+                <p:nvPr/>
+              </p:nvSpPr>
+              <p:spPr>
+                <a:xfrm>
+                  <a:off x="4168587" y="2469775"/>
+                  <a:ext cx="636494" cy="582705"/>
+                </a:xfrm>
+                <a:prstGeom prst="rect">
+                  <a:avLst/>
+                </a:prstGeom>
+                <a:solidFill>
+                  <a:srgbClr val="FFC000"/>
+                </a:solidFill>
+              </p:spPr>
+              <p:style>
+                <a:lnRef idx="2">
+                  <a:schemeClr val="accent1">
+                    <a:shade val="50000"/>
+                  </a:schemeClr>
+                </a:lnRef>
+                <a:fillRef idx="1">
+                  <a:schemeClr val="accent1"/>
+                </a:fillRef>
+                <a:effectRef idx="0">
+                  <a:schemeClr val="accent1"/>
+                </a:effectRef>
+                <a:fontRef idx="minor">
+                  <a:schemeClr val="lt1"/>
+                </a:fontRef>
+              </p:style>
+              <p:txBody>
+                <a:bodyPr rtlCol="0" anchor="ctr"/>
+                <a:lstStyle/>
+                <a:p>
+                  <a:pPr algn="ctr"/>
+                  <a:r>
+                    <a:rPr lang="en-US" altLang="zh-CN" dirty="0"/>
+                    <a:t>9</a:t>
+                  </a:r>
+                  <a:endParaRPr lang="zh-CN" altLang="en-US" dirty="0"/>
+                </a:p>
+              </p:txBody>
+            </p:sp>
+            <p:sp>
+              <p:nvSpPr>
+                <p:cNvPr id="7" name="矩形 6">
+                  <a:extLst>
+                    <a:ext uri="{FF2B5EF4-FFF2-40B4-BE49-F238E27FC236}">
+                      <a16:creationId xmlns:a16="http://schemas.microsoft.com/office/drawing/2014/main" id="{B65089C9-65BB-46B4-A60D-65695A769765}"/>
+                    </a:ext>
+                  </a:extLst>
+                </p:cNvPr>
+                <p:cNvSpPr/>
+                <p:nvPr/>
+              </p:nvSpPr>
+              <p:spPr>
+                <a:xfrm>
+                  <a:off x="3532093" y="2469775"/>
+                  <a:ext cx="636494" cy="582705"/>
+                </a:xfrm>
+                <a:prstGeom prst="rect">
+                  <a:avLst/>
+                </a:prstGeom>
+              </p:spPr>
+              <p:style>
+                <a:lnRef idx="2">
+                  <a:schemeClr val="accent1">
+                    <a:shade val="50000"/>
+                  </a:schemeClr>
+                </a:lnRef>
+                <a:fillRef idx="1">
+                  <a:schemeClr val="accent1"/>
+                </a:fillRef>
+                <a:effectRef idx="0">
+                  <a:schemeClr val="accent1"/>
+                </a:effectRef>
+                <a:fontRef idx="minor">
+                  <a:schemeClr val="lt1"/>
+                </a:fontRef>
+              </p:style>
+              <p:txBody>
+                <a:bodyPr rtlCol="0" anchor="ctr"/>
+                <a:lstStyle/>
+                <a:p>
+                  <a:pPr algn="ctr"/>
+                  <a:r>
+                    <a:rPr lang="en-US" altLang="zh-CN" dirty="0"/>
+                    <a:t>7</a:t>
+                  </a:r>
+                  <a:endParaRPr lang="zh-CN" altLang="en-US" dirty="0"/>
+                </a:p>
+              </p:txBody>
+            </p:sp>
+            <p:sp>
+              <p:nvSpPr>
+                <p:cNvPr id="8" name="矩形 7">
+                  <a:extLst>
+                    <a:ext uri="{FF2B5EF4-FFF2-40B4-BE49-F238E27FC236}">
+                      <a16:creationId xmlns:a16="http://schemas.microsoft.com/office/drawing/2014/main" id="{460F0C9C-FB1F-488D-AC4D-F684019D6CC6}"/>
+                    </a:ext>
+                  </a:extLst>
+                </p:cNvPr>
+                <p:cNvSpPr/>
+                <p:nvPr/>
+              </p:nvSpPr>
+              <p:spPr>
+                <a:xfrm>
+                  <a:off x="2895599" y="2469776"/>
+                  <a:ext cx="636494" cy="582705"/>
+                </a:xfrm>
+                <a:prstGeom prst="rect">
+                  <a:avLst/>
+                </a:prstGeom>
+              </p:spPr>
+              <p:style>
+                <a:lnRef idx="2">
+                  <a:schemeClr val="accent1">
+                    <a:shade val="50000"/>
+                  </a:schemeClr>
+                </a:lnRef>
+                <a:fillRef idx="1">
+                  <a:schemeClr val="accent1"/>
+                </a:fillRef>
+                <a:effectRef idx="0">
+                  <a:schemeClr val="accent1"/>
+                </a:effectRef>
+                <a:fontRef idx="minor">
+                  <a:schemeClr val="lt1"/>
+                </a:fontRef>
+              </p:style>
+              <p:txBody>
+                <a:bodyPr rtlCol="0" anchor="ctr"/>
+                <a:lstStyle/>
+                <a:p>
+                  <a:pPr algn="ctr"/>
+                  <a:r>
+                    <a:rPr lang="en-US" altLang="zh-CN" dirty="0"/>
+                    <a:t>2</a:t>
+                  </a:r>
+                  <a:endParaRPr lang="zh-CN" altLang="en-US" dirty="0"/>
+                </a:p>
+              </p:txBody>
+            </p:sp>
+            <p:sp>
+              <p:nvSpPr>
+                <p:cNvPr id="9" name="矩形 8">
+                  <a:extLst>
+                    <a:ext uri="{FF2B5EF4-FFF2-40B4-BE49-F238E27FC236}">
+                      <a16:creationId xmlns:a16="http://schemas.microsoft.com/office/drawing/2014/main" id="{55F285C5-7553-4DE2-B98F-7F22D2637FD5}"/>
+                    </a:ext>
+                  </a:extLst>
+                </p:cNvPr>
+                <p:cNvSpPr/>
+                <p:nvPr/>
+              </p:nvSpPr>
+              <p:spPr>
+                <a:xfrm>
+                  <a:off x="3532093" y="1873623"/>
+                  <a:ext cx="636494" cy="582705"/>
+                </a:xfrm>
+                <a:prstGeom prst="rect">
+                  <a:avLst/>
+                </a:prstGeom>
+                <a:solidFill>
+                  <a:srgbClr val="FFC000"/>
+                </a:solidFill>
+              </p:spPr>
+              <p:style>
+                <a:lnRef idx="2">
+                  <a:schemeClr val="accent1">
+                    <a:shade val="50000"/>
+                  </a:schemeClr>
+                </a:lnRef>
+                <a:fillRef idx="1">
+                  <a:schemeClr val="accent1"/>
+                </a:fillRef>
+                <a:effectRef idx="0">
+                  <a:schemeClr val="accent1"/>
+                </a:effectRef>
+                <a:fontRef idx="minor">
+                  <a:schemeClr val="lt1"/>
+                </a:fontRef>
+              </p:style>
+              <p:txBody>
+                <a:bodyPr rtlCol="0" anchor="ctr"/>
+                <a:lstStyle/>
+                <a:p>
+                  <a:pPr algn="ctr"/>
+                  <a:r>
+                    <a:rPr lang="en-US" altLang="zh-CN" dirty="0"/>
+                    <a:t>6</a:t>
+                  </a:r>
+                  <a:endParaRPr lang="zh-CN" altLang="en-US" dirty="0"/>
+                </a:p>
+              </p:txBody>
+            </p:sp>
+          </p:grpSp>
+          <p:sp>
+            <p:nvSpPr>
+              <p:cNvPr id="20" name="文本框 19">
+                <a:extLst>
+                  <a:ext uri="{FF2B5EF4-FFF2-40B4-BE49-F238E27FC236}">
+                    <a16:creationId xmlns:a16="http://schemas.microsoft.com/office/drawing/2014/main" id="{D1611082-F460-40BE-A211-EB06624F4C56}"/>
+                  </a:ext>
+                </a:extLst>
+              </p:cNvPr>
+              <p:cNvSpPr txBox="1"/>
+              <p:nvPr/>
+            </p:nvSpPr>
+            <p:spPr>
+              <a:xfrm>
+                <a:off x="3518656" y="2576461"/>
+                <a:ext cx="699247" cy="369332"/>
+              </a:xfrm>
+              <a:prstGeom prst="rect">
+                <a:avLst/>
+              </a:prstGeom>
+              <a:noFill/>
+            </p:spPr>
+            <p:txBody>
+              <a:bodyPr wrap="square" rtlCol="0">
+                <a:spAutoFit/>
+              </a:bodyPr>
+              <a:lstStyle/>
+              <a:p>
+                <a:r>
+                  <a:rPr lang="en-US" altLang="zh-CN" dirty="0"/>
+                  <a:t>LV</a:t>
+                </a:r>
+                <a:endParaRPr lang="zh-CN" altLang="en-US" dirty="0"/>
+              </a:p>
+            </p:txBody>
+          </p:sp>
+          <p:sp>
+            <p:nvSpPr>
+              <p:cNvPr id="21" name="文本框 20">
+                <a:extLst>
+                  <a:ext uri="{FF2B5EF4-FFF2-40B4-BE49-F238E27FC236}">
+                    <a16:creationId xmlns:a16="http://schemas.microsoft.com/office/drawing/2014/main" id="{CEB5D6BC-9F35-465E-80B7-131D086ED022}"/>
+                  </a:ext>
+                </a:extLst>
+              </p:cNvPr>
+              <p:cNvSpPr txBox="1"/>
+              <p:nvPr/>
+            </p:nvSpPr>
+            <p:spPr>
+              <a:xfrm>
+                <a:off x="3518653" y="1980309"/>
+                <a:ext cx="699247" cy="369332"/>
+              </a:xfrm>
+              <a:prstGeom prst="rect">
+                <a:avLst/>
+              </a:prstGeom>
+              <a:noFill/>
+            </p:spPr>
+            <p:txBody>
+              <a:bodyPr wrap="square" rtlCol="0">
+                <a:spAutoFit/>
+              </a:bodyPr>
+              <a:lstStyle/>
+              <a:p>
+                <a:r>
+                  <a:rPr lang="en-US" altLang="zh-CN" dirty="0"/>
+                  <a:t>RV</a:t>
+                </a:r>
+                <a:endParaRPr lang="zh-CN" altLang="en-US" dirty="0"/>
+              </a:p>
+            </p:txBody>
+          </p:sp>
+        </p:grpSp>
+      </p:grpSp>
+    </p:spTree>
+    <p:extLst>
+      <p:ext uri="{BB962C8B-B14F-4D97-AF65-F5344CB8AC3E}">
+        <p14:creationId xmlns:p14="http://schemas.microsoft.com/office/powerpoint/2010/main" val="2689130629"/>
+      </p:ext>
+    </p:extLst>
+  </p:cSld>
+  <p:clrMapOvr>
+    <a:masterClrMapping/>
+  </p:clrMapOvr>
+</p:sld>
+</file>
+
+<file path=ppt/slides/slide5.xml><?xml version="1.0" encoding="utf-8"?>
+<p:sld xmlns:a="http://schemas.openxmlformats.org/drawingml/2006/main" xmlns:r="http://schemas.openxmlformats.org/officeDocument/2006/relationships" xmlns:p="http://schemas.openxmlformats.org/presentationml/2006/main">
+  <p:cSld>
+    <p:spTree>
+      <p:nvGrpSpPr>
+        <p:cNvPr id="1" name=""/>
+        <p:cNvGrpSpPr/>
+        <p:nvPr/>
+      </p:nvGrpSpPr>
+      <p:grpSpPr>
+        <a:xfrm>
+          <a:off x="0" y="0"/>
+          <a:ext cx="0" cy="0"/>
+          <a:chOff x="0" y="0"/>
+          <a:chExt cx="0" cy="0"/>
+        </a:xfrm>
+      </p:grpSpPr>
+      <p:grpSp>
+        <p:nvGrpSpPr>
+          <p:cNvPr id="2" name="组合 1">
+            <a:extLst>
+              <a:ext uri="{FF2B5EF4-FFF2-40B4-BE49-F238E27FC236}">
+                <a16:creationId xmlns:a16="http://schemas.microsoft.com/office/drawing/2014/main" id="{DFA056F4-3DAC-4742-B3F3-D5AF8A1063EA}"/>
+              </a:ext>
+            </a:extLst>
+          </p:cNvPr>
+          <p:cNvGrpSpPr/>
+          <p:nvPr/>
+        </p:nvGrpSpPr>
+        <p:grpSpPr>
+          <a:xfrm>
+            <a:off x="6530792" y="1039905"/>
+            <a:ext cx="2545976" cy="2327227"/>
+            <a:chOff x="6530792" y="1039905"/>
+            <a:chExt cx="2545976" cy="2327227"/>
+          </a:xfrm>
+        </p:grpSpPr>
+        <p:sp>
+          <p:nvSpPr>
+            <p:cNvPr id="4" name="矩形 3">
+              <a:extLst>
+                <a:ext uri="{FF2B5EF4-FFF2-40B4-BE49-F238E27FC236}">
+                  <a16:creationId xmlns:a16="http://schemas.microsoft.com/office/drawing/2014/main" id="{6E6FD733-17D0-4538-901B-9E045032A069}"/>
+                </a:ext>
+              </a:extLst>
+            </p:cNvPr>
+            <p:cNvSpPr/>
+            <p:nvPr/>
+          </p:nvSpPr>
+          <p:spPr>
+            <a:xfrm>
+              <a:off x="8440274" y="1039905"/>
+              <a:ext cx="636494" cy="582705"/>
+            </a:xfrm>
+            <a:prstGeom prst="rect">
+              <a:avLst/>
+            </a:prstGeom>
+            <a:solidFill>
+              <a:srgbClr val="FFC000"/>
+            </a:solidFill>
+          </p:spPr>
+          <p:style>
+            <a:lnRef idx="2">
+              <a:schemeClr val="accent1">
+                <a:shade val="50000"/>
+              </a:schemeClr>
+            </a:lnRef>
+            <a:fillRef idx="1">
+              <a:schemeClr val="accent1"/>
+            </a:fillRef>
+            <a:effectRef idx="0">
+              <a:schemeClr val="accent1"/>
+            </a:effectRef>
+            <a:fontRef idx="minor">
+              <a:schemeClr val="lt1"/>
+            </a:fontRef>
+          </p:style>
+          <p:txBody>
+            <a:bodyPr rtlCol="0" anchor="ctr"/>
+            <a:lstStyle/>
+            <a:p>
+              <a:pPr algn="ctr"/>
+              <a:r>
+                <a:rPr lang="en-US" altLang="zh-CN" dirty="0"/>
+                <a:t>1</a:t>
+              </a:r>
+              <a:endParaRPr lang="zh-CN" altLang="en-US" dirty="0"/>
+            </a:p>
+          </p:txBody>
+        </p:sp>
+        <p:sp>
+          <p:nvSpPr>
+            <p:cNvPr id="13" name="矩形 12">
+              <a:extLst>
+                <a:ext uri="{FF2B5EF4-FFF2-40B4-BE49-F238E27FC236}">
+                  <a16:creationId xmlns:a16="http://schemas.microsoft.com/office/drawing/2014/main" id="{0B497143-7B22-4C63-8A46-56F9A7E400EB}"/>
+                </a:ext>
+              </a:extLst>
+            </p:cNvPr>
+            <p:cNvSpPr/>
+            <p:nvPr/>
+          </p:nvSpPr>
+          <p:spPr>
+            <a:xfrm>
+              <a:off x="7808267" y="2784426"/>
+              <a:ext cx="636494" cy="582705"/>
+            </a:xfrm>
+            <a:prstGeom prst="rect">
+              <a:avLst/>
+            </a:prstGeom>
+            <a:solidFill>
+              <a:schemeClr val="accent1"/>
+            </a:solidFill>
+          </p:spPr>
+          <p:style>
+            <a:lnRef idx="2">
+              <a:schemeClr val="accent1">
+                <a:shade val="50000"/>
+              </a:schemeClr>
+            </a:lnRef>
+            <a:fillRef idx="1">
+              <a:schemeClr val="accent1"/>
+            </a:fillRef>
+            <a:effectRef idx="0">
+              <a:schemeClr val="accent1"/>
+            </a:effectRef>
+            <a:fontRef idx="minor">
+              <a:schemeClr val="lt1"/>
+            </a:fontRef>
+          </p:style>
+          <p:txBody>
+            <a:bodyPr rtlCol="0" anchor="ctr"/>
+            <a:lstStyle/>
+            <a:p>
+              <a:pPr algn="ctr"/>
+              <a:r>
+                <a:rPr lang="en-US" altLang="zh-CN" dirty="0"/>
+                <a:t>8</a:t>
+              </a:r>
+              <a:endParaRPr lang="zh-CN" altLang="en-US" dirty="0"/>
+            </a:p>
+          </p:txBody>
+        </p:sp>
+        <p:sp>
+          <p:nvSpPr>
+            <p:cNvPr id="5" name="矩形 4">
+              <a:extLst>
+                <a:ext uri="{FF2B5EF4-FFF2-40B4-BE49-F238E27FC236}">
+                  <a16:creationId xmlns:a16="http://schemas.microsoft.com/office/drawing/2014/main" id="{485EFFA3-5373-4549-BEE4-582E042B4B07}"/>
+                </a:ext>
+              </a:extLst>
+            </p:cNvPr>
+            <p:cNvSpPr/>
+            <p:nvPr/>
+          </p:nvSpPr>
+          <p:spPr>
+            <a:xfrm>
+              <a:off x="8440274" y="1622610"/>
+              <a:ext cx="636494" cy="582705"/>
+            </a:xfrm>
+            <a:prstGeom prst="rect">
+              <a:avLst/>
+            </a:prstGeom>
+            <a:solidFill>
+              <a:srgbClr val="FFC000"/>
+            </a:solidFill>
+          </p:spPr>
+          <p:style>
+            <a:lnRef idx="2">
+              <a:schemeClr val="accent1">
+                <a:shade val="50000"/>
+              </a:schemeClr>
+            </a:lnRef>
+            <a:fillRef idx="1">
+              <a:schemeClr val="accent1"/>
+            </a:fillRef>
+            <a:effectRef idx="0">
+              <a:schemeClr val="accent1"/>
+            </a:effectRef>
+            <a:fontRef idx="minor">
+              <a:schemeClr val="lt1"/>
+            </a:fontRef>
+          </p:style>
+          <p:txBody>
+            <a:bodyPr rtlCol="0" anchor="ctr"/>
+            <a:lstStyle/>
+            <a:p>
+              <a:pPr algn="ctr"/>
+              <a:r>
+                <a:rPr lang="en-US" altLang="zh-CN" dirty="0"/>
+                <a:t>3</a:t>
+              </a:r>
+              <a:endParaRPr lang="zh-CN" altLang="en-US" dirty="0"/>
+            </a:p>
+          </p:txBody>
+        </p:sp>
+        <p:sp>
+          <p:nvSpPr>
+            <p:cNvPr id="6" name="矩形 5">
+              <a:extLst>
+                <a:ext uri="{FF2B5EF4-FFF2-40B4-BE49-F238E27FC236}">
+                  <a16:creationId xmlns:a16="http://schemas.microsoft.com/office/drawing/2014/main" id="{98A53E97-5C2F-4BA7-AA61-E213F113997A}"/>
+                </a:ext>
+              </a:extLst>
+            </p:cNvPr>
+            <p:cNvSpPr/>
+            <p:nvPr/>
+          </p:nvSpPr>
+          <p:spPr>
+            <a:xfrm>
+              <a:off x="8440274" y="2784427"/>
+              <a:ext cx="636494" cy="582705"/>
+            </a:xfrm>
+            <a:prstGeom prst="rect">
+              <a:avLst/>
+            </a:prstGeom>
+            <a:solidFill>
+              <a:srgbClr val="FFC000"/>
+            </a:solidFill>
+          </p:spPr>
+          <p:style>
+            <a:lnRef idx="2">
+              <a:schemeClr val="accent1">
+                <a:shade val="50000"/>
+              </a:schemeClr>
+            </a:lnRef>
+            <a:fillRef idx="1">
+              <a:schemeClr val="accent1"/>
+            </a:fillRef>
+            <a:effectRef idx="0">
+              <a:schemeClr val="accent1"/>
+            </a:effectRef>
+            <a:fontRef idx="minor">
+              <a:schemeClr val="lt1"/>
+            </a:fontRef>
+          </p:style>
+          <p:txBody>
+            <a:bodyPr rtlCol="0" anchor="ctr"/>
+            <a:lstStyle/>
+            <a:p>
+              <a:pPr algn="ctr"/>
+              <a:r>
+                <a:rPr lang="en-US" altLang="zh-CN" dirty="0"/>
+                <a:t>9</a:t>
+              </a:r>
+              <a:endParaRPr lang="zh-CN" altLang="en-US" dirty="0"/>
+            </a:p>
+          </p:txBody>
+        </p:sp>
+        <p:sp>
+          <p:nvSpPr>
+            <p:cNvPr id="7" name="矩形 6">
+              <a:extLst>
+                <a:ext uri="{FF2B5EF4-FFF2-40B4-BE49-F238E27FC236}">
+                  <a16:creationId xmlns:a16="http://schemas.microsoft.com/office/drawing/2014/main" id="{B65089C9-65BB-46B4-A60D-65695A769765}"/>
+                </a:ext>
+              </a:extLst>
+            </p:cNvPr>
+            <p:cNvSpPr/>
+            <p:nvPr/>
+          </p:nvSpPr>
+          <p:spPr>
+            <a:xfrm>
+              <a:off x="7803780" y="2205314"/>
+              <a:ext cx="636494" cy="582705"/>
+            </a:xfrm>
+            <a:prstGeom prst="rect">
+              <a:avLst/>
+            </a:prstGeom>
+          </p:spPr>
+          <p:style>
+            <a:lnRef idx="2">
+              <a:schemeClr val="accent1">
+                <a:shade val="50000"/>
+              </a:schemeClr>
+            </a:lnRef>
+            <a:fillRef idx="1">
+              <a:schemeClr val="accent1"/>
+            </a:fillRef>
+            <a:effectRef idx="0">
+              <a:schemeClr val="accent1"/>
+            </a:effectRef>
+            <a:fontRef idx="minor">
+              <a:schemeClr val="lt1"/>
+            </a:fontRef>
+          </p:style>
+          <p:txBody>
+            <a:bodyPr rtlCol="0" anchor="ctr"/>
+            <a:lstStyle/>
+            <a:p>
+              <a:pPr algn="ctr"/>
+              <a:r>
+                <a:rPr lang="en-US" altLang="zh-CN" dirty="0"/>
+                <a:t>4</a:t>
+              </a:r>
+              <a:endParaRPr lang="zh-CN" altLang="en-US" dirty="0"/>
+            </a:p>
+          </p:txBody>
+        </p:sp>
+        <p:sp>
+          <p:nvSpPr>
+            <p:cNvPr id="8" name="矩形 7">
+              <a:extLst>
+                <a:ext uri="{FF2B5EF4-FFF2-40B4-BE49-F238E27FC236}">
+                  <a16:creationId xmlns:a16="http://schemas.microsoft.com/office/drawing/2014/main" id="{460F0C9C-FB1F-488D-AC4D-F684019D6CC6}"/>
+                </a:ext>
+              </a:extLst>
+            </p:cNvPr>
+            <p:cNvSpPr/>
+            <p:nvPr/>
+          </p:nvSpPr>
+          <p:spPr>
+            <a:xfrm>
+              <a:off x="7803780" y="1622609"/>
+              <a:ext cx="636494" cy="582705"/>
+            </a:xfrm>
+            <a:prstGeom prst="rect">
+              <a:avLst/>
+            </a:prstGeom>
+          </p:spPr>
+          <p:style>
+            <a:lnRef idx="2">
+              <a:schemeClr val="accent1">
+                <a:shade val="50000"/>
+              </a:schemeClr>
+            </a:lnRef>
+            <a:fillRef idx="1">
+              <a:schemeClr val="accent1"/>
+            </a:fillRef>
+            <a:effectRef idx="0">
+              <a:schemeClr val="accent1"/>
+            </a:effectRef>
+            <a:fontRef idx="minor">
+              <a:schemeClr val="lt1"/>
+            </a:fontRef>
+          </p:style>
+          <p:txBody>
+            <a:bodyPr rtlCol="0" anchor="ctr"/>
+            <a:lstStyle/>
+            <a:p>
+              <a:pPr algn="ctr"/>
+              <a:r>
+                <a:rPr lang="en-US" altLang="zh-CN" dirty="0"/>
+                <a:t>2</a:t>
+              </a:r>
+              <a:endParaRPr lang="zh-CN" altLang="en-US" dirty="0"/>
+            </a:p>
+          </p:txBody>
+        </p:sp>
+        <p:sp>
+          <p:nvSpPr>
+            <p:cNvPr id="9" name="矩形 8">
+              <a:extLst>
+                <a:ext uri="{FF2B5EF4-FFF2-40B4-BE49-F238E27FC236}">
+                  <a16:creationId xmlns:a16="http://schemas.microsoft.com/office/drawing/2014/main" id="{55F285C5-7553-4DE2-B98F-7F22D2637FD5}"/>
+                </a:ext>
+              </a:extLst>
+            </p:cNvPr>
+            <p:cNvSpPr/>
+            <p:nvPr/>
+          </p:nvSpPr>
+          <p:spPr>
+            <a:xfrm>
+              <a:off x="8440274" y="2205314"/>
+              <a:ext cx="636494" cy="582705"/>
+            </a:xfrm>
+            <a:prstGeom prst="rect">
+              <a:avLst/>
+            </a:prstGeom>
+            <a:solidFill>
+              <a:srgbClr val="FFC000"/>
+            </a:solidFill>
+          </p:spPr>
+          <p:style>
+            <a:lnRef idx="2">
+              <a:schemeClr val="accent1">
+                <a:shade val="50000"/>
+              </a:schemeClr>
+            </a:lnRef>
+            <a:fillRef idx="1">
+              <a:schemeClr val="accent1"/>
+            </a:fillRef>
+            <a:effectRef idx="0">
+              <a:schemeClr val="accent1"/>
+            </a:effectRef>
+            <a:fontRef idx="minor">
+              <a:schemeClr val="lt1"/>
+            </a:fontRef>
+          </p:style>
+          <p:txBody>
+            <a:bodyPr rtlCol="0" anchor="ctr"/>
+            <a:lstStyle/>
+            <a:p>
+              <a:pPr algn="ctr"/>
+              <a:r>
+                <a:rPr lang="en-US" altLang="zh-CN" dirty="0"/>
+                <a:t>6</a:t>
+              </a:r>
+              <a:endParaRPr lang="zh-CN" altLang="en-US" dirty="0"/>
+            </a:p>
+          </p:txBody>
+        </p:sp>
+        <p:sp>
+          <p:nvSpPr>
+            <p:cNvPr id="24" name="矩形 23">
+              <a:extLst>
+                <a:ext uri="{FF2B5EF4-FFF2-40B4-BE49-F238E27FC236}">
+                  <a16:creationId xmlns:a16="http://schemas.microsoft.com/office/drawing/2014/main" id="{F67F6159-5482-4520-8476-2F13F09C5768}"/>
+                </a:ext>
+              </a:extLst>
+            </p:cNvPr>
+            <p:cNvSpPr/>
+            <p:nvPr/>
+          </p:nvSpPr>
+          <p:spPr>
+            <a:xfrm>
+              <a:off x="6530792" y="2205314"/>
+              <a:ext cx="636494" cy="582705"/>
+            </a:xfrm>
+            <a:prstGeom prst="rect">
+              <a:avLst/>
+            </a:prstGeom>
+          </p:spPr>
+          <p:style>
+            <a:lnRef idx="2">
+              <a:schemeClr val="accent1">
+                <a:shade val="50000"/>
+              </a:schemeClr>
+            </a:lnRef>
+            <a:fillRef idx="1">
+              <a:schemeClr val="accent1"/>
+            </a:fillRef>
+            <a:effectRef idx="0">
+              <a:schemeClr val="accent1"/>
+            </a:effectRef>
+            <a:fontRef idx="minor">
+              <a:schemeClr val="lt1"/>
+            </a:fontRef>
+          </p:style>
+          <p:txBody>
+            <a:bodyPr rtlCol="0" anchor="ctr"/>
+            <a:lstStyle/>
+            <a:p>
+              <a:pPr algn="ctr"/>
+              <a:r>
+                <a:rPr lang="en-US" altLang="zh-CN" dirty="0"/>
+                <a:t>5</a:t>
+              </a:r>
+              <a:endParaRPr lang="zh-CN" altLang="en-US" dirty="0"/>
+            </a:p>
+          </p:txBody>
+        </p:sp>
+        <p:sp>
+          <p:nvSpPr>
+            <p:cNvPr id="25" name="矩形 24">
+              <a:extLst>
+                <a:ext uri="{FF2B5EF4-FFF2-40B4-BE49-F238E27FC236}">
+                  <a16:creationId xmlns:a16="http://schemas.microsoft.com/office/drawing/2014/main" id="{CA20DA65-F460-4170-A73D-076B4D22E0E9}"/>
+                </a:ext>
+              </a:extLst>
+            </p:cNvPr>
+            <p:cNvSpPr/>
+            <p:nvPr/>
+          </p:nvSpPr>
+          <p:spPr>
+            <a:xfrm>
+              <a:off x="7167286" y="2205314"/>
+              <a:ext cx="636494" cy="582705"/>
+            </a:xfrm>
+            <a:prstGeom prst="rect">
+              <a:avLst/>
+            </a:prstGeom>
+            <a:solidFill>
+              <a:schemeClr val="accent1"/>
+            </a:solidFill>
+          </p:spPr>
+          <p:style>
+            <a:lnRef idx="2">
+              <a:schemeClr val="accent1">
+                <a:shade val="50000"/>
+              </a:schemeClr>
+            </a:lnRef>
+            <a:fillRef idx="1">
+              <a:schemeClr val="accent1"/>
+            </a:fillRef>
+            <a:effectRef idx="0">
+              <a:schemeClr val="accent1"/>
+            </a:effectRef>
+            <a:fontRef idx="minor">
+              <a:schemeClr val="lt1"/>
+            </a:fontRef>
+          </p:style>
+          <p:txBody>
+            <a:bodyPr rtlCol="0" anchor="ctr"/>
+            <a:lstStyle/>
+            <a:p>
+              <a:pPr algn="ctr"/>
+              <a:r>
+                <a:rPr lang="en-US" altLang="zh-CN" dirty="0"/>
+                <a:t>7</a:t>
+              </a:r>
+              <a:endParaRPr lang="zh-CN" altLang="en-US" dirty="0"/>
+            </a:p>
+          </p:txBody>
+        </p:sp>
+      </p:grpSp>
+    </p:spTree>
+    <p:extLst>
+      <p:ext uri="{BB962C8B-B14F-4D97-AF65-F5344CB8AC3E}">
+        <p14:creationId xmlns:p14="http://schemas.microsoft.com/office/powerpoint/2010/main" val="1567490730"/>
+      </p:ext>
+    </p:extLst>
+  </p:cSld>
+  <p:clrMapOvr>
+    <a:masterClrMapping/>
+  </p:clrMapOvr>
+</p:sld>
+</file>
+
 <file path=ppt/theme/theme1.xml><?xml version="1.0" encoding="utf-8"?>
 <a:theme xmlns:a="http://schemas.openxmlformats.org/drawingml/2006/main" name="Office 主题​​">
   <a:themeElements>
